--- a/InstaExt/docs/InstaExt_Ver1.0_画面仕様書.pptx
+++ b/InstaExt/docs/InstaExt_Ver1.0_画面仕様書.pptx
@@ -262,7 +262,7 @@
           <a:p>
             <a:fld id="{04A359D8-C195-8E4B-82CB-49993982F06D}" type="datetimeFigureOut">
               <a:rPr kumimoji="1" lang="ja-JP" altLang="en-US" smtClean="0"/>
-              <a:t>2021/1/20</a:t>
+              <a:t>2021/3/3</a:t>
             </a:fld>
             <a:endParaRPr kumimoji="1" lang="ja-JP" altLang="en-US"/>
           </a:p>
@@ -492,7 +492,7 @@
           <a:p>
             <a:fld id="{04A359D8-C195-8E4B-82CB-49993982F06D}" type="datetimeFigureOut">
               <a:rPr kumimoji="1" lang="ja-JP" altLang="en-US" smtClean="0"/>
-              <a:t>2021/1/20</a:t>
+              <a:t>2021/3/3</a:t>
             </a:fld>
             <a:endParaRPr kumimoji="1" lang="ja-JP" altLang="en-US"/>
           </a:p>
@@ -732,7 +732,7 @@
           <a:p>
             <a:fld id="{04A359D8-C195-8E4B-82CB-49993982F06D}" type="datetimeFigureOut">
               <a:rPr kumimoji="1" lang="ja-JP" altLang="en-US" smtClean="0"/>
-              <a:t>2021/1/20</a:t>
+              <a:t>2021/3/3</a:t>
             </a:fld>
             <a:endParaRPr kumimoji="1" lang="ja-JP" altLang="en-US"/>
           </a:p>
@@ -962,7 +962,7 @@
           <a:p>
             <a:fld id="{04A359D8-C195-8E4B-82CB-49993982F06D}" type="datetimeFigureOut">
               <a:rPr kumimoji="1" lang="ja-JP" altLang="en-US" smtClean="0"/>
-              <a:t>2021/1/20</a:t>
+              <a:t>2021/3/3</a:t>
             </a:fld>
             <a:endParaRPr kumimoji="1" lang="ja-JP" altLang="en-US"/>
           </a:p>
@@ -1237,7 +1237,7 @@
           <a:p>
             <a:fld id="{04A359D8-C195-8E4B-82CB-49993982F06D}" type="datetimeFigureOut">
               <a:rPr kumimoji="1" lang="ja-JP" altLang="en-US" smtClean="0"/>
-              <a:t>2021/1/20</a:t>
+              <a:t>2021/3/3</a:t>
             </a:fld>
             <a:endParaRPr kumimoji="1" lang="ja-JP" altLang="en-US"/>
           </a:p>
@@ -1566,7 +1566,7 @@
           <a:p>
             <a:fld id="{04A359D8-C195-8E4B-82CB-49993982F06D}" type="datetimeFigureOut">
               <a:rPr kumimoji="1" lang="ja-JP" altLang="en-US" smtClean="0"/>
-              <a:t>2021/1/20</a:t>
+              <a:t>2021/3/3</a:t>
             </a:fld>
             <a:endParaRPr kumimoji="1" lang="ja-JP" altLang="en-US"/>
           </a:p>
@@ -2042,7 +2042,7 @@
           <a:p>
             <a:fld id="{04A359D8-C195-8E4B-82CB-49993982F06D}" type="datetimeFigureOut">
               <a:rPr kumimoji="1" lang="ja-JP" altLang="en-US" smtClean="0"/>
-              <a:t>2021/1/20</a:t>
+              <a:t>2021/3/3</a:t>
             </a:fld>
             <a:endParaRPr kumimoji="1" lang="ja-JP" altLang="en-US"/>
           </a:p>
@@ -2183,7 +2183,7 @@
           <a:p>
             <a:fld id="{04A359D8-C195-8E4B-82CB-49993982F06D}" type="datetimeFigureOut">
               <a:rPr kumimoji="1" lang="ja-JP" altLang="en-US" smtClean="0"/>
-              <a:t>2021/1/20</a:t>
+              <a:t>2021/3/3</a:t>
             </a:fld>
             <a:endParaRPr kumimoji="1" lang="ja-JP" altLang="en-US"/>
           </a:p>
@@ -2296,7 +2296,7 @@
           <a:p>
             <a:fld id="{04A359D8-C195-8E4B-82CB-49993982F06D}" type="datetimeFigureOut">
               <a:rPr kumimoji="1" lang="ja-JP" altLang="en-US" smtClean="0"/>
-              <a:t>2021/1/20</a:t>
+              <a:t>2021/3/3</a:t>
             </a:fld>
             <a:endParaRPr kumimoji="1" lang="ja-JP" altLang="en-US"/>
           </a:p>
@@ -2639,7 +2639,7 @@
           <a:p>
             <a:fld id="{04A359D8-C195-8E4B-82CB-49993982F06D}" type="datetimeFigureOut">
               <a:rPr kumimoji="1" lang="ja-JP" altLang="en-US" smtClean="0"/>
-              <a:t>2021/1/20</a:t>
+              <a:t>2021/3/3</a:t>
             </a:fld>
             <a:endParaRPr kumimoji="1" lang="ja-JP" altLang="en-US"/>
           </a:p>
@@ -2927,7 +2927,7 @@
           <a:p>
             <a:fld id="{04A359D8-C195-8E4B-82CB-49993982F06D}" type="datetimeFigureOut">
               <a:rPr kumimoji="1" lang="ja-JP" altLang="en-US" smtClean="0"/>
-              <a:t>2021/1/20</a:t>
+              <a:t>2021/3/3</a:t>
             </a:fld>
             <a:endParaRPr kumimoji="1" lang="ja-JP" altLang="en-US"/>
           </a:p>
@@ -3200,7 +3200,7 @@
           <a:p>
             <a:fld id="{04A359D8-C195-8E4B-82CB-49993982F06D}" type="datetimeFigureOut">
               <a:rPr kumimoji="1" lang="ja-JP" altLang="en-US" smtClean="0"/>
-              <a:t>2021/1/20</a:t>
+              <a:t>2021/3/3</a:t>
             </a:fld>
             <a:endParaRPr kumimoji="1" lang="ja-JP" altLang="en-US"/>
           </a:p>
@@ -3673,8 +3673,8 @@
           <a:lstStyle/>
           <a:p>
             <a:r>
-              <a:rPr kumimoji="1" lang="en-US" altLang="ja-JP" dirty="0"/>
-              <a:t>2021/01/19</a:t>
+              <a:rPr kumimoji="1" lang="en-US" altLang="ja-JP"/>
+              <a:t>2021/03/03</a:t>
             </a:r>
             <a:endParaRPr kumimoji="1" lang="ja-JP" altLang="en-US"/>
           </a:p>
@@ -4529,96 +4529,6 @@
               <a:rPr kumimoji="1" lang="ja-JP" altLang="en-US"/>
               <a:t>スクロールして編集機能を選択</a:t>
             </a:r>
-          </a:p>
-        </p:txBody>
-      </p:sp>
-      <p:sp>
-        <p:nvSpPr>
-          <p:cNvPr id="27" name="円/楕円 26">
-            <a:extLst>
-              <a:ext uri="{FF2B5EF4-FFF2-40B4-BE49-F238E27FC236}">
-                <a16:creationId xmlns:a16="http://schemas.microsoft.com/office/drawing/2014/main" id="{F4CCEC81-6B1E-4040-9288-1BB141D0B1E5}"/>
-              </a:ext>
-            </a:extLst>
-          </p:cNvPr>
-          <p:cNvSpPr>
-            <a:spLocks noChangeAspect="1"/>
-          </p:cNvSpPr>
-          <p:nvPr/>
-        </p:nvSpPr>
-        <p:spPr>
-          <a:xfrm>
-            <a:off x="6259822" y="5266706"/>
-            <a:ext cx="629392" cy="634907"/>
-          </a:xfrm>
-          <a:prstGeom prst="ellipse">
-            <a:avLst/>
-          </a:prstGeom>
-          <a:noFill/>
-          <a:ln>
-            <a:solidFill>
-              <a:srgbClr val="C00000"/>
-            </a:solidFill>
-          </a:ln>
-        </p:spPr>
-        <p:style>
-          <a:lnRef idx="2">
-            <a:schemeClr val="accent1">
-              <a:shade val="50000"/>
-            </a:schemeClr>
-          </a:lnRef>
-          <a:fillRef idx="1">
-            <a:schemeClr val="accent1"/>
-          </a:fillRef>
-          <a:effectRef idx="0">
-            <a:schemeClr val="accent1"/>
-          </a:effectRef>
-          <a:fontRef idx="minor">
-            <a:schemeClr val="lt1"/>
-          </a:fontRef>
-        </p:style>
-        <p:txBody>
-          <a:bodyPr rtlCol="0" anchor="ctr"/>
-          <a:lstStyle/>
-          <a:p>
-            <a:pPr algn="ctr"/>
-            <a:endParaRPr kumimoji="1" lang="ja-JP" altLang="en-US"/>
-          </a:p>
-        </p:txBody>
-      </p:sp>
-      <p:sp>
-        <p:nvSpPr>
-          <p:cNvPr id="28" name="テキスト ボックス 27">
-            <a:extLst>
-              <a:ext uri="{FF2B5EF4-FFF2-40B4-BE49-F238E27FC236}">
-                <a16:creationId xmlns:a16="http://schemas.microsoft.com/office/drawing/2014/main" id="{7DB35C62-FC94-8E4B-86F3-35EF86EFB718}"/>
-              </a:ext>
-            </a:extLst>
-          </p:cNvPr>
-          <p:cNvSpPr txBox="1"/>
-          <p:nvPr/>
-        </p:nvSpPr>
-        <p:spPr>
-          <a:xfrm>
-            <a:off x="6202184" y="5459717"/>
-            <a:ext cx="723275" cy="253916"/>
-          </a:xfrm>
-          <a:prstGeom prst="rect">
-            <a:avLst/>
-          </a:prstGeom>
-          <a:noFill/>
-        </p:spPr>
-        <p:txBody>
-          <a:bodyPr wrap="none" rtlCol="0">
-            <a:spAutoFit/>
-          </a:bodyPr>
-          <a:lstStyle/>
-          <a:p>
-            <a:r>
-              <a:rPr kumimoji="1" lang="ja-JP" altLang="en-US" sz="1050"/>
-              <a:t>ペイント</a:t>
-            </a:r>
-            <a:endParaRPr kumimoji="1" lang="en-US" altLang="ja-JP" sz="1050" dirty="0"/>
           </a:p>
         </p:txBody>
       </p:sp>
@@ -6247,99 +6157,6 @@
           </a:p>
         </p:txBody>
       </p:sp>
-      <p:sp>
-        <p:nvSpPr>
-          <p:cNvPr id="38" name="テキスト ボックス 37">
-            <a:extLst>
-              <a:ext uri="{FF2B5EF4-FFF2-40B4-BE49-F238E27FC236}">
-                <a16:creationId xmlns:a16="http://schemas.microsoft.com/office/drawing/2014/main" id="{B5A2F229-8300-834F-BC7A-9E0CF33EE48F}"/>
-              </a:ext>
-            </a:extLst>
-          </p:cNvPr>
-          <p:cNvSpPr txBox="1"/>
-          <p:nvPr/>
-        </p:nvSpPr>
-        <p:spPr>
-          <a:xfrm>
-            <a:off x="6855047" y="4658985"/>
-            <a:ext cx="5339923" cy="523220"/>
-          </a:xfrm>
-          <a:prstGeom prst="rect">
-            <a:avLst/>
-          </a:prstGeom>
-          <a:noFill/>
-        </p:spPr>
-        <p:txBody>
-          <a:bodyPr wrap="none" rtlCol="0">
-            <a:spAutoFit/>
-          </a:bodyPr>
-          <a:lstStyle/>
-          <a:p>
-            <a:r>
-              <a:rPr kumimoji="1" lang="ja-JP" altLang="en-US" sz="1400"/>
-              <a:t>・ペイント機能</a:t>
-            </a:r>
-            <a:r>
-              <a:rPr lang="ja-JP" altLang="en-US" sz="1400"/>
-              <a:t>：</a:t>
-            </a:r>
-            <a:r>
-              <a:rPr kumimoji="1" lang="ja-JP" altLang="en-US" sz="1400"/>
-              <a:t>公式のツールパレットを使用</a:t>
-            </a:r>
-            <a:r>
-              <a:rPr kumimoji="1" lang="en-US" altLang="ja-JP" sz="1400" dirty="0"/>
-              <a:t>	</a:t>
-            </a:r>
-            <a:r>
-              <a:rPr kumimoji="1" lang="ja-JP" altLang="en-US" sz="1400"/>
-              <a:t>　　　</a:t>
-            </a:r>
-            <a:endParaRPr kumimoji="1" lang="en-US" altLang="ja-JP" sz="1400" dirty="0"/>
-          </a:p>
-          <a:p>
-            <a:r>
-              <a:rPr lang="en-US" altLang="ja-JP" sz="1400" dirty="0"/>
-              <a:t>	</a:t>
-            </a:r>
-            <a:r>
-              <a:rPr lang="ja-JP" altLang="en-US" sz="1400"/>
-              <a:t>　　　</a:t>
-            </a:r>
-            <a:endParaRPr kumimoji="1" lang="ja-JP" altLang="en-US" sz="1400"/>
-          </a:p>
-        </p:txBody>
-      </p:sp>
-      <p:pic>
-        <p:nvPicPr>
-          <p:cNvPr id="7" name="図 6" descr="コンピューターのスクリーンショット&#10;&#10;中程度の精度で自動的に生成された説明">
-            <a:extLst>
-              <a:ext uri="{FF2B5EF4-FFF2-40B4-BE49-F238E27FC236}">
-                <a16:creationId xmlns:a16="http://schemas.microsoft.com/office/drawing/2014/main" id="{4D3D2A24-B65A-7D47-8C2B-A884146A23BC}"/>
-              </a:ext>
-            </a:extLst>
-          </p:cNvPr>
-          <p:cNvPicPr>
-            <a:picLocks noChangeAspect="1"/>
-          </p:cNvPicPr>
-          <p:nvPr/>
-        </p:nvPicPr>
-        <p:blipFill>
-          <a:blip r:embed="rId2"/>
-          <a:stretch>
-            <a:fillRect/>
-          </a:stretch>
-        </p:blipFill>
-        <p:spPr>
-          <a:xfrm>
-            <a:off x="7083407" y="5101446"/>
-            <a:ext cx="3071617" cy="890769"/>
-          </a:xfrm>
-          <a:prstGeom prst="rect">
-            <a:avLst/>
-          </a:prstGeom>
-        </p:spPr>
-      </p:pic>
     </p:spTree>
     <p:extLst>
       <p:ext uri="{BB962C8B-B14F-4D97-AF65-F5344CB8AC3E}">
